--- a/src/resources/坦克大战总结.pptx
+++ b/src/resources/坦克大战总结.pptx
@@ -4063,8 +4063,8 @@
         </p:nvSpPr>
         <p:spPr>
           <a:xfrm>
-            <a:off x="810895" y="489585"/>
-            <a:ext cx="3601720" cy="828040"/>
+            <a:off x="811530" y="489585"/>
+            <a:ext cx="4525645" cy="828040"/>
           </a:xfrm>
           <a:prstGeom prst="rect">
             <a:avLst/>
@@ -4078,7 +4078,7 @@
           <a:p>
             <a:r>
               <a:rPr lang="x-none" altLang="zh-CN" sz="4800"/>
-              <a:t>网关总结</a:t>
+              <a:t>编解码分发总结</a:t>
             </a:r>
             <a:endParaRPr lang="x-none" altLang="zh-CN" sz="4800"/>
           </a:p>
@@ -4596,7 +4596,7 @@
         <p:spPr>
           <a:xfrm>
             <a:off x="9514205" y="4093845"/>
-            <a:ext cx="1376680" cy="367665"/>
+            <a:ext cx="1376680" cy="641985"/>
           </a:xfrm>
           <a:prstGeom prst="rect">
             <a:avLst/>
@@ -4609,9 +4609,14 @@
           </a:bodyPr>
           <a:p>
             <a:r>
-              <a:rPr lang="x-none" altLang="zh-CN"/>
-              <a:t>分发</a:t>
-            </a:r>
+              <a:rPr lang="x-none" altLang="zh-CN">
+                <a:sym typeface="+mn-ea"/>
+              </a:rPr>
+              <a:t>玩家id分发</a:t>
+            </a:r>
+            <a:endParaRPr lang="x-none" altLang="zh-CN"/>
+          </a:p>
+          <a:p>
             <a:endParaRPr lang="x-none" altLang="zh-CN"/>
           </a:p>
         </p:txBody>
@@ -4625,7 +4630,7 @@
         <p:spPr>
           <a:xfrm>
             <a:off x="1238250" y="4735830"/>
-            <a:ext cx="5721350" cy="1134745"/>
+            <a:ext cx="5721350" cy="1901825"/>
           </a:xfrm>
           <a:prstGeom prst="rect">
             <a:avLst/>
@@ -4651,7 +4656,122 @@
             </a:pPr>
             <a:r>
               <a:rPr lang="x-none" altLang="zh-CN"/>
-              <a:t>每一个协议里的命令字cmd，可以对比Http协议里的URL地址，根据唯一的命令字来分发给对应的处理方法</a:t>
+              <a:t>每一个协议里的命令字cmd，可以对比Http协议里的URL地址，根据唯一的命令字来分发给对应的处理方法。</a:t>
+            </a:r>
+            <a:endParaRPr lang="x-none" altLang="zh-CN"/>
+          </a:p>
+          <a:p>
+            <a:pPr>
+              <a:lnSpc>
+                <a:spcPct val="140000"/>
+              </a:lnSpc>
+            </a:pPr>
+            <a:r>
+              <a:rPr lang="x-none" altLang="zh-CN"/>
+              <a:t>这种方式，每增加一条新的命令，只需增加协议和对应的处理方法，不必动网关代码。</a:t>
+            </a:r>
+            <a:endParaRPr lang="x-none" altLang="zh-CN"/>
+          </a:p>
+        </p:txBody>
+      </p:sp>
+      <p:sp>
+        <p:nvSpPr>
+          <p:cNvPr id="11" name="矩形 10"/>
+          <p:cNvSpPr/>
+          <p:nvPr/>
+        </p:nvSpPr>
+        <p:spPr>
+          <a:xfrm>
+            <a:off x="8477250" y="6027420"/>
+            <a:ext cx="1847850" cy="689610"/>
+          </a:xfrm>
+          <a:prstGeom prst="rect">
+            <a:avLst/>
+          </a:prstGeom>
+        </p:spPr>
+        <p:style>
+          <a:lnRef idx="2">
+            <a:schemeClr val="accent1">
+              <a:shade val="50000"/>
+            </a:schemeClr>
+          </a:lnRef>
+          <a:fillRef idx="1">
+            <a:schemeClr val="accent1"/>
+          </a:fillRef>
+          <a:effectRef idx="0">
+            <a:schemeClr val="accent1"/>
+          </a:effectRef>
+          <a:fontRef idx="minor">
+            <a:schemeClr val="lt1"/>
+          </a:fontRef>
+        </p:style>
+        <p:txBody>
+          <a:bodyPr rtlCol="0" anchor="ctr"/>
+          <a:p>
+            <a:pPr algn="ctr"/>
+            <a:endParaRPr lang="zh-CN" altLang="en-US"/>
+          </a:p>
+        </p:txBody>
+      </p:sp>
+      <p:cxnSp>
+        <p:nvCxnSpPr>
+          <p:cNvPr id="14" name="直接箭头连接符 13"/>
+          <p:cNvCxnSpPr>
+            <a:stCxn id="22" idx="2"/>
+          </p:cNvCxnSpPr>
+          <p:nvPr/>
+        </p:nvCxnSpPr>
+        <p:spPr>
+          <a:xfrm flipH="1">
+            <a:off x="9453245" y="5342255"/>
+            <a:ext cx="8890" cy="565150"/>
+          </a:xfrm>
+          <a:prstGeom prst="straightConnector1">
+            <a:avLst/>
+          </a:prstGeom>
+          <a:ln>
+            <a:tailEnd type="arrow"/>
+          </a:ln>
+        </p:spPr>
+        <p:style>
+          <a:lnRef idx="1">
+            <a:schemeClr val="accent1"/>
+          </a:lnRef>
+          <a:fillRef idx="0">
+            <a:schemeClr val="accent1"/>
+          </a:fillRef>
+          <a:effectRef idx="0">
+            <a:schemeClr val="accent1"/>
+          </a:effectRef>
+          <a:fontRef idx="minor">
+            <a:schemeClr val="tx1"/>
+          </a:fontRef>
+        </p:style>
+      </p:cxnSp>
+      <p:sp>
+        <p:nvSpPr>
+          <p:cNvPr id="25" name="文本框 24"/>
+          <p:cNvSpPr txBox="1"/>
+          <p:nvPr/>
+        </p:nvSpPr>
+        <p:spPr>
+          <a:xfrm>
+            <a:off x="8703310" y="6189345"/>
+            <a:ext cx="1392555" cy="367665"/>
+          </a:xfrm>
+          <a:prstGeom prst="rect">
+            <a:avLst/>
+          </a:prstGeom>
+          <a:noFill/>
+        </p:spPr>
+        <p:txBody>
+          <a:bodyPr wrap="square" rtlCol="0">
+            <a:spAutoFit/>
+          </a:bodyPr>
+          <a:p>
+            <a:r>
+              <a:rPr lang="x-none" altLang="zh-CN"/>
+              <a:t>反射执行</a:t>
             </a:r>
             <a:endParaRPr lang="x-none" altLang="zh-CN"/>
           </a:p>
@@ -5679,8 +5799,8 @@
         </p:nvSpPr>
         <p:spPr>
           <a:xfrm>
-            <a:off x="8142605" y="1971040"/>
-            <a:ext cx="1483360" cy="1437640"/>
+            <a:off x="8143240" y="1971040"/>
+            <a:ext cx="1665605" cy="1437640"/>
           </a:xfrm>
           <a:prstGeom prst="roundRect">
             <a:avLst/>
@@ -5718,8 +5838,8 @@
         </p:nvSpPr>
         <p:spPr>
           <a:xfrm>
-            <a:off x="8235315" y="2369820"/>
-            <a:ext cx="1651000" cy="367665"/>
+            <a:off x="8158480" y="2240915"/>
+            <a:ext cx="1845945" cy="641985"/>
           </a:xfrm>
           <a:prstGeom prst="rect">
             <a:avLst/>
@@ -5733,7 +5853,7 @@
           <a:p>
             <a:r>
               <a:rPr lang="x-none" altLang="zh-CN"/>
-              <a:t>    Handle</a:t>
+              <a:t>    HandleContext</a:t>
             </a:r>
             <a:endParaRPr lang="x-none" altLang="zh-CN"/>
           </a:p>
@@ -7436,7 +7556,7 @@
           <a:p>
             <a:r>
               <a:rPr lang="x-none" altLang="zh-CN"/>
-              <a:t>   Handle</a:t>
+              <a:t>   Netty</a:t>
             </a:r>
             <a:endParaRPr lang="x-none" altLang="zh-CN"/>
           </a:p>
@@ -7500,7 +7620,7 @@
           <a:p>
             <a:r>
               <a:rPr lang="x-none" altLang="zh-CN"/>
-              <a:t>获取对应反射</a:t>
+              <a:t>玩家id分发</a:t>
             </a:r>
             <a:endParaRPr lang="x-none" altLang="zh-CN"/>
           </a:p>
@@ -7611,7 +7731,7 @@
         </p:nvSpPr>
         <p:spPr>
           <a:xfrm>
-            <a:off x="4850130" y="1967865"/>
+            <a:off x="7960360" y="1929765"/>
             <a:ext cx="3486785" cy="1666875"/>
           </a:xfrm>
           <a:prstGeom prst="roundRect">
@@ -7650,7 +7770,7 @@
         </p:nvSpPr>
         <p:spPr>
           <a:xfrm>
-            <a:off x="5003165" y="2456180"/>
+            <a:off x="8321675" y="2430780"/>
             <a:ext cx="3458845" cy="640080"/>
           </a:xfrm>
           <a:prstGeom prst="rect">
@@ -7712,7 +7832,7 @@
         </p:nvSpPr>
         <p:spPr>
           <a:xfrm>
-            <a:off x="9453245" y="1967230"/>
+            <a:off x="4716145" y="2005965"/>
             <a:ext cx="1544955" cy="1652270"/>
           </a:xfrm>
           <a:prstGeom prst="roundRect">
@@ -7751,8 +7871,8 @@
         </p:nvSpPr>
         <p:spPr>
           <a:xfrm>
-            <a:off x="9820275" y="2349500"/>
-            <a:ext cx="826135" cy="641985"/>
+            <a:off x="4928235" y="2598420"/>
+            <a:ext cx="1372235" cy="367665"/>
           </a:xfrm>
           <a:prstGeom prst="rect">
             <a:avLst/>
@@ -7775,15 +7895,13 @@
       <p:cxnSp>
         <p:nvCxnSpPr>
           <p:cNvPr id="34" name="直接箭头连接符 33"/>
-          <p:cNvCxnSpPr>
-            <a:stCxn id="30" idx="3"/>
-          </p:cNvCxnSpPr>
+          <p:cNvCxnSpPr/>
           <p:nvPr/>
         </p:nvCxnSpPr>
         <p:spPr>
-          <a:xfrm>
-            <a:off x="8462010" y="2776220"/>
-            <a:ext cx="853440" cy="1905"/>
+          <a:xfrm flipV="1">
+            <a:off x="6419215" y="2784475"/>
+            <a:ext cx="1445895" cy="5080"/>
           </a:xfrm>
           <a:prstGeom prst="straightConnector1">
             <a:avLst/>
@@ -7815,8 +7933,8 @@
         </p:nvSpPr>
         <p:spPr>
           <a:xfrm>
-            <a:off x="8428355" y="2258060"/>
-            <a:ext cx="841375" cy="367665"/>
+            <a:off x="6567170" y="2310765"/>
+            <a:ext cx="1283970" cy="367665"/>
           </a:xfrm>
           <a:prstGeom prst="rect">
             <a:avLst/>
@@ -7830,7 +7948,7 @@
           <a:p>
             <a:r>
               <a:rPr lang="x-none" altLang="zh-CN"/>
-              <a:t>分发</a:t>
+              <a:t>反射执行</a:t>
             </a:r>
             <a:endParaRPr lang="x-none" altLang="zh-CN"/>
           </a:p>
@@ -7885,7 +8003,7 @@
       </p:sp>
       <p:pic>
         <p:nvPicPr>
-          <p:cNvPr id="4" name="图片 3"/>
+          <p:cNvPr id="3" name="图片 2"/>
           <p:cNvPicPr>
             <a:picLocks noChangeAspect="1"/>
           </p:cNvPicPr>
@@ -7899,8 +8017,8 @@
         </p:blipFill>
         <p:spPr>
           <a:xfrm>
-            <a:off x="3372485" y="753745"/>
-            <a:ext cx="7619365" cy="5380990"/>
+            <a:off x="3221355" y="416560"/>
+            <a:ext cx="8142605" cy="6076315"/>
           </a:xfrm>
           <a:prstGeom prst="rect">
             <a:avLst/>

--- a/src/resources/坦克大战总结.pptx
+++ b/src/resources/坦克大战总结.pptx
@@ -4016,24 +4016,6 @@
               <a:t>坦克大战总结</a:t>
             </a:r>
             <a:endParaRPr lang="x-none" altLang="zh-CN"/>
-          </a:p>
-        </p:txBody>
-      </p:sp>
-      <p:sp>
-        <p:nvSpPr>
-          <p:cNvPr id="3" name="副标题 2"/>
-          <p:cNvSpPr>
-            <a:spLocks noGrp="1"/>
-          </p:cNvSpPr>
-          <p:nvPr>
-            <p:ph type="subTitle" idx="1"/>
-          </p:nvPr>
-        </p:nvSpPr>
-        <p:spPr/>
-        <p:txBody>
-          <a:bodyPr/>
-          <a:p>
-            <a:endParaRPr lang="zh-CN" altLang="en-US"/>
           </a:p>
         </p:txBody>
       </p:sp>
